--- a/ppt 16-9/0252.主基督复活.pptx
+++ b/ppt 16-9/0252.主基督复活.pptx
@@ -5,7 +5,7 @@
     <p:sldMasterId id="2147483648" r:id="rId1"/>
   </p:sldMasterIdLst>
   <p:sldIdLst>
-    <p:sldId id="3095" r:id="rId2"/>
+    <p:sldId id="3097" r:id="rId2"/>
   </p:sldIdLst>
   <p:sldSz cx="12192000" cy="6858000"/>
   <p:notesSz cx="6858000" cy="9144000"/>
@@ -129,7 +129,7 @@
           <p:cNvPr id="2" name="标题 1">
             <a:extLst>
               <a:ext uri="{FF2B5EF4-FFF2-40B4-BE49-F238E27FC236}">
-                <a16:creationId xmlns:a16="http://schemas.microsoft.com/office/drawing/2014/main" id="{85438DF0-044E-43B9-F42C-6827B2B811F8}"/>
+                <a16:creationId xmlns:a16="http://schemas.microsoft.com/office/drawing/2014/main" id="{22903D29-5EAC-076C-41BA-85015E786B29}"/>
               </a:ext>
             </a:extLst>
           </p:cNvPr>
@@ -166,7 +166,7 @@
           <p:cNvPr id="3" name="副标题 2">
             <a:extLst>
               <a:ext uri="{FF2B5EF4-FFF2-40B4-BE49-F238E27FC236}">
-                <a16:creationId xmlns:a16="http://schemas.microsoft.com/office/drawing/2014/main" id="{FD64F9DA-C1C8-967B-3664-8E1151883DF8}"/>
+                <a16:creationId xmlns:a16="http://schemas.microsoft.com/office/drawing/2014/main" id="{01BB2DD7-98D7-1B2B-BADD-0A96335D90AB}"/>
               </a:ext>
             </a:extLst>
           </p:cNvPr>
@@ -236,7 +236,7 @@
           <p:cNvPr id="4" name="日期占位符 3">
             <a:extLst>
               <a:ext uri="{FF2B5EF4-FFF2-40B4-BE49-F238E27FC236}">
-                <a16:creationId xmlns:a16="http://schemas.microsoft.com/office/drawing/2014/main" id="{1278A67E-7027-C793-6E5B-23906257BF10}"/>
+                <a16:creationId xmlns:a16="http://schemas.microsoft.com/office/drawing/2014/main" id="{A96EA460-D6F6-6304-1728-D6F9E3DB238F}"/>
               </a:ext>
             </a:extLst>
           </p:cNvPr>
@@ -252,7 +252,7 @@
           <a:bodyPr/>
           <a:lstStyle/>
           <a:p>
-            <a:fld id="{30C389B1-61EC-4530-89BF-D92D41071DAC}" type="datetimeFigureOut">
+            <a:fld id="{36FF05B0-B938-40E9-B6DB-E77049D08148}" type="datetimeFigureOut">
               <a:rPr lang="zh-CN" altLang="en-US" smtClean="0"/>
               <a:t>2024/3/10</a:t>
             </a:fld>
@@ -265,7 +265,7 @@
           <p:cNvPr id="5" name="页脚占位符 4">
             <a:extLst>
               <a:ext uri="{FF2B5EF4-FFF2-40B4-BE49-F238E27FC236}">
-                <a16:creationId xmlns:a16="http://schemas.microsoft.com/office/drawing/2014/main" id="{23D10A2E-3038-E906-CEF2-BCE50488318D}"/>
+                <a16:creationId xmlns:a16="http://schemas.microsoft.com/office/drawing/2014/main" id="{8B22A2B2-2396-9D5D-30FD-68EDFBF38AA7}"/>
               </a:ext>
             </a:extLst>
           </p:cNvPr>
@@ -290,7 +290,7 @@
           <p:cNvPr id="6" name="灯片编号占位符 5">
             <a:extLst>
               <a:ext uri="{FF2B5EF4-FFF2-40B4-BE49-F238E27FC236}">
-                <a16:creationId xmlns:a16="http://schemas.microsoft.com/office/drawing/2014/main" id="{A2559BB8-AD1D-6437-0EDD-56EAD6CD114A}"/>
+                <a16:creationId xmlns:a16="http://schemas.microsoft.com/office/drawing/2014/main" id="{8179B284-84C6-E39B-F750-00A34069BC0F}"/>
               </a:ext>
             </a:extLst>
           </p:cNvPr>
@@ -306,7 +306,7 @@
           <a:bodyPr/>
           <a:lstStyle/>
           <a:p>
-            <a:fld id="{10F2668E-504D-4A2C-A1C9-4BB03044971A}" type="slidenum">
+            <a:fld id="{13884E9F-0FDA-4F69-A7D3-6E64E908FC9E}" type="slidenum">
               <a:rPr lang="zh-CN" altLang="en-US" smtClean="0"/>
               <a:t>‹#›</a:t>
             </a:fld>
@@ -317,7 +317,7 @@
     </p:spTree>
     <p:extLst>
       <p:ext uri="{BB962C8B-B14F-4D97-AF65-F5344CB8AC3E}">
-        <p14:creationId xmlns:p14="http://schemas.microsoft.com/office/powerpoint/2010/main" val="3767467693"/>
+        <p14:creationId xmlns:p14="http://schemas.microsoft.com/office/powerpoint/2010/main" val="4195542692"/>
       </p:ext>
     </p:extLst>
   </p:cSld>
@@ -349,7 +349,7 @@
           <p:cNvPr id="2" name="标题 1">
             <a:extLst>
               <a:ext uri="{FF2B5EF4-FFF2-40B4-BE49-F238E27FC236}">
-                <a16:creationId xmlns:a16="http://schemas.microsoft.com/office/drawing/2014/main" id="{5DDB39E4-4660-0C4F-DFA8-2221E71D0BCF}"/>
+                <a16:creationId xmlns:a16="http://schemas.microsoft.com/office/drawing/2014/main" id="{893FBC8B-917A-DB8A-CFF7-AC223CCC8EE9}"/>
               </a:ext>
             </a:extLst>
           </p:cNvPr>
@@ -377,7 +377,7 @@
           <p:cNvPr id="3" name="竖排文字占位符 2">
             <a:extLst>
               <a:ext uri="{FF2B5EF4-FFF2-40B4-BE49-F238E27FC236}">
-                <a16:creationId xmlns:a16="http://schemas.microsoft.com/office/drawing/2014/main" id="{339D3F6C-0ECC-7144-9BBC-68282D7B10DE}"/>
+                <a16:creationId xmlns:a16="http://schemas.microsoft.com/office/drawing/2014/main" id="{578B5C63-3331-1EDC-7E7C-C88504061AEC}"/>
               </a:ext>
             </a:extLst>
           </p:cNvPr>
@@ -434,7 +434,7 @@
           <p:cNvPr id="4" name="日期占位符 3">
             <a:extLst>
               <a:ext uri="{FF2B5EF4-FFF2-40B4-BE49-F238E27FC236}">
-                <a16:creationId xmlns:a16="http://schemas.microsoft.com/office/drawing/2014/main" id="{873D7FD3-CF04-8354-EEB8-B32ADE62A62B}"/>
+                <a16:creationId xmlns:a16="http://schemas.microsoft.com/office/drawing/2014/main" id="{95F80AE4-F653-CC9D-CF19-52D2A4927876}"/>
               </a:ext>
             </a:extLst>
           </p:cNvPr>
@@ -450,7 +450,7 @@
           <a:bodyPr/>
           <a:lstStyle/>
           <a:p>
-            <a:fld id="{30C389B1-61EC-4530-89BF-D92D41071DAC}" type="datetimeFigureOut">
+            <a:fld id="{36FF05B0-B938-40E9-B6DB-E77049D08148}" type="datetimeFigureOut">
               <a:rPr lang="zh-CN" altLang="en-US" smtClean="0"/>
               <a:t>2024/3/10</a:t>
             </a:fld>
@@ -463,7 +463,7 @@
           <p:cNvPr id="5" name="页脚占位符 4">
             <a:extLst>
               <a:ext uri="{FF2B5EF4-FFF2-40B4-BE49-F238E27FC236}">
-                <a16:creationId xmlns:a16="http://schemas.microsoft.com/office/drawing/2014/main" id="{E0F07E8A-E76F-D559-E507-29AD61FB139D}"/>
+                <a16:creationId xmlns:a16="http://schemas.microsoft.com/office/drawing/2014/main" id="{4813E0AB-AA0F-7CB6-9612-1FFFDC63E1BC}"/>
               </a:ext>
             </a:extLst>
           </p:cNvPr>
@@ -488,7 +488,7 @@
           <p:cNvPr id="6" name="灯片编号占位符 5">
             <a:extLst>
               <a:ext uri="{FF2B5EF4-FFF2-40B4-BE49-F238E27FC236}">
-                <a16:creationId xmlns:a16="http://schemas.microsoft.com/office/drawing/2014/main" id="{D18A8BF2-41C3-AFDD-1972-C431C46BC8FE}"/>
+                <a16:creationId xmlns:a16="http://schemas.microsoft.com/office/drawing/2014/main" id="{19FDC128-32E4-1FE9-FC09-90687363781C}"/>
               </a:ext>
             </a:extLst>
           </p:cNvPr>
@@ -504,7 +504,7 @@
           <a:bodyPr/>
           <a:lstStyle/>
           <a:p>
-            <a:fld id="{10F2668E-504D-4A2C-A1C9-4BB03044971A}" type="slidenum">
+            <a:fld id="{13884E9F-0FDA-4F69-A7D3-6E64E908FC9E}" type="slidenum">
               <a:rPr lang="zh-CN" altLang="en-US" smtClean="0"/>
               <a:t>‹#›</a:t>
             </a:fld>
@@ -515,7 +515,7 @@
     </p:spTree>
     <p:extLst>
       <p:ext uri="{BB962C8B-B14F-4D97-AF65-F5344CB8AC3E}">
-        <p14:creationId xmlns:p14="http://schemas.microsoft.com/office/powerpoint/2010/main" val="3718611766"/>
+        <p14:creationId xmlns:p14="http://schemas.microsoft.com/office/powerpoint/2010/main" val="2010251642"/>
       </p:ext>
     </p:extLst>
   </p:cSld>
@@ -547,7 +547,7 @@
           <p:cNvPr id="2" name="竖排标题 1">
             <a:extLst>
               <a:ext uri="{FF2B5EF4-FFF2-40B4-BE49-F238E27FC236}">
-                <a16:creationId xmlns:a16="http://schemas.microsoft.com/office/drawing/2014/main" id="{75257481-80AC-1A6D-7E6F-A5B4C8DFBA38}"/>
+                <a16:creationId xmlns:a16="http://schemas.microsoft.com/office/drawing/2014/main" id="{2BD7EC4F-9383-1375-7501-184B25FC7096}"/>
               </a:ext>
             </a:extLst>
           </p:cNvPr>
@@ -580,7 +580,7 @@
           <p:cNvPr id="3" name="竖排文字占位符 2">
             <a:extLst>
               <a:ext uri="{FF2B5EF4-FFF2-40B4-BE49-F238E27FC236}">
-                <a16:creationId xmlns:a16="http://schemas.microsoft.com/office/drawing/2014/main" id="{135C3580-B6D6-EF2B-06B1-B90AD3D74401}"/>
+                <a16:creationId xmlns:a16="http://schemas.microsoft.com/office/drawing/2014/main" id="{872E0BF4-FC8D-3F36-C40F-BD535EAB7F6C}"/>
               </a:ext>
             </a:extLst>
           </p:cNvPr>
@@ -642,7 +642,7 @@
           <p:cNvPr id="4" name="日期占位符 3">
             <a:extLst>
               <a:ext uri="{FF2B5EF4-FFF2-40B4-BE49-F238E27FC236}">
-                <a16:creationId xmlns:a16="http://schemas.microsoft.com/office/drawing/2014/main" id="{1F188544-AECC-E98F-B301-BD871B36E6AB}"/>
+                <a16:creationId xmlns:a16="http://schemas.microsoft.com/office/drawing/2014/main" id="{4B35EA61-FD57-5C2A-BC04-4D4E6B115362}"/>
               </a:ext>
             </a:extLst>
           </p:cNvPr>
@@ -658,7 +658,7 @@
           <a:bodyPr/>
           <a:lstStyle/>
           <a:p>
-            <a:fld id="{30C389B1-61EC-4530-89BF-D92D41071DAC}" type="datetimeFigureOut">
+            <a:fld id="{36FF05B0-B938-40E9-B6DB-E77049D08148}" type="datetimeFigureOut">
               <a:rPr lang="zh-CN" altLang="en-US" smtClean="0"/>
               <a:t>2024/3/10</a:t>
             </a:fld>
@@ -671,7 +671,7 @@
           <p:cNvPr id="5" name="页脚占位符 4">
             <a:extLst>
               <a:ext uri="{FF2B5EF4-FFF2-40B4-BE49-F238E27FC236}">
-                <a16:creationId xmlns:a16="http://schemas.microsoft.com/office/drawing/2014/main" id="{CEE5A1CB-CF3F-4AAA-CE66-65464278D3D5}"/>
+                <a16:creationId xmlns:a16="http://schemas.microsoft.com/office/drawing/2014/main" id="{62F3B2D5-1FE2-8232-69A6-D833A74C064F}"/>
               </a:ext>
             </a:extLst>
           </p:cNvPr>
@@ -696,7 +696,7 @@
           <p:cNvPr id="6" name="灯片编号占位符 5">
             <a:extLst>
               <a:ext uri="{FF2B5EF4-FFF2-40B4-BE49-F238E27FC236}">
-                <a16:creationId xmlns:a16="http://schemas.microsoft.com/office/drawing/2014/main" id="{309A769B-A1A0-43DD-D3F2-6755B7A23E3B}"/>
+                <a16:creationId xmlns:a16="http://schemas.microsoft.com/office/drawing/2014/main" id="{F54CB2B3-D914-CD02-7A0C-6E5E665CBCEE}"/>
               </a:ext>
             </a:extLst>
           </p:cNvPr>
@@ -712,7 +712,7 @@
           <a:bodyPr/>
           <a:lstStyle/>
           <a:p>
-            <a:fld id="{10F2668E-504D-4A2C-A1C9-4BB03044971A}" type="slidenum">
+            <a:fld id="{13884E9F-0FDA-4F69-A7D3-6E64E908FC9E}" type="slidenum">
               <a:rPr lang="zh-CN" altLang="en-US" smtClean="0"/>
               <a:t>‹#›</a:t>
             </a:fld>
@@ -723,7 +723,7 @@
     </p:spTree>
     <p:extLst>
       <p:ext uri="{BB962C8B-B14F-4D97-AF65-F5344CB8AC3E}">
-        <p14:creationId xmlns:p14="http://schemas.microsoft.com/office/powerpoint/2010/main" val="3885324028"/>
+        <p14:creationId xmlns:p14="http://schemas.microsoft.com/office/powerpoint/2010/main" val="3468343722"/>
       </p:ext>
     </p:extLst>
   </p:cSld>
@@ -755,7 +755,7 @@
           <p:cNvPr id="2" name="标题 1">
             <a:extLst>
               <a:ext uri="{FF2B5EF4-FFF2-40B4-BE49-F238E27FC236}">
-                <a16:creationId xmlns:a16="http://schemas.microsoft.com/office/drawing/2014/main" id="{9E6C381C-B8E1-314F-7556-C42EA0ADC0D3}"/>
+                <a16:creationId xmlns:a16="http://schemas.microsoft.com/office/drawing/2014/main" id="{F5C6CD92-0383-4202-EAA6-559B0F2BCB49}"/>
               </a:ext>
             </a:extLst>
           </p:cNvPr>
@@ -783,7 +783,7 @@
           <p:cNvPr id="3" name="内容占位符 2">
             <a:extLst>
               <a:ext uri="{FF2B5EF4-FFF2-40B4-BE49-F238E27FC236}">
-                <a16:creationId xmlns:a16="http://schemas.microsoft.com/office/drawing/2014/main" id="{AC618297-E891-55B4-5788-44A9F791044D}"/>
+                <a16:creationId xmlns:a16="http://schemas.microsoft.com/office/drawing/2014/main" id="{65286B59-1276-DC46-5CAA-4720B89A7007}"/>
               </a:ext>
             </a:extLst>
           </p:cNvPr>
@@ -840,7 +840,7 @@
           <p:cNvPr id="4" name="日期占位符 3">
             <a:extLst>
               <a:ext uri="{FF2B5EF4-FFF2-40B4-BE49-F238E27FC236}">
-                <a16:creationId xmlns:a16="http://schemas.microsoft.com/office/drawing/2014/main" id="{E9311232-A60C-3E82-B8CC-F758319756A7}"/>
+                <a16:creationId xmlns:a16="http://schemas.microsoft.com/office/drawing/2014/main" id="{159373EE-C5A5-B239-B489-8AABB298C497}"/>
               </a:ext>
             </a:extLst>
           </p:cNvPr>
@@ -856,7 +856,7 @@
           <a:bodyPr/>
           <a:lstStyle/>
           <a:p>
-            <a:fld id="{30C389B1-61EC-4530-89BF-D92D41071DAC}" type="datetimeFigureOut">
+            <a:fld id="{36FF05B0-B938-40E9-B6DB-E77049D08148}" type="datetimeFigureOut">
               <a:rPr lang="zh-CN" altLang="en-US" smtClean="0"/>
               <a:t>2024/3/10</a:t>
             </a:fld>
@@ -869,7 +869,7 @@
           <p:cNvPr id="5" name="页脚占位符 4">
             <a:extLst>
               <a:ext uri="{FF2B5EF4-FFF2-40B4-BE49-F238E27FC236}">
-                <a16:creationId xmlns:a16="http://schemas.microsoft.com/office/drawing/2014/main" id="{3D122490-E275-31A9-A734-E64D8FC69DC7}"/>
+                <a16:creationId xmlns:a16="http://schemas.microsoft.com/office/drawing/2014/main" id="{1993E20B-5C24-ABB6-7D55-92EB4B04AE6F}"/>
               </a:ext>
             </a:extLst>
           </p:cNvPr>
@@ -894,7 +894,7 @@
           <p:cNvPr id="6" name="灯片编号占位符 5">
             <a:extLst>
               <a:ext uri="{FF2B5EF4-FFF2-40B4-BE49-F238E27FC236}">
-                <a16:creationId xmlns:a16="http://schemas.microsoft.com/office/drawing/2014/main" id="{B49BAC0E-DDAA-381C-6573-252E17084A8A}"/>
+                <a16:creationId xmlns:a16="http://schemas.microsoft.com/office/drawing/2014/main" id="{A633C49C-AE61-90BF-6C24-566B2D221289}"/>
               </a:ext>
             </a:extLst>
           </p:cNvPr>
@@ -910,7 +910,7 @@
           <a:bodyPr/>
           <a:lstStyle/>
           <a:p>
-            <a:fld id="{10F2668E-504D-4A2C-A1C9-4BB03044971A}" type="slidenum">
+            <a:fld id="{13884E9F-0FDA-4F69-A7D3-6E64E908FC9E}" type="slidenum">
               <a:rPr lang="zh-CN" altLang="en-US" smtClean="0"/>
               <a:t>‹#›</a:t>
             </a:fld>
@@ -921,7 +921,7 @@
     </p:spTree>
     <p:extLst>
       <p:ext uri="{BB962C8B-B14F-4D97-AF65-F5344CB8AC3E}">
-        <p14:creationId xmlns:p14="http://schemas.microsoft.com/office/powerpoint/2010/main" val="4177289456"/>
+        <p14:creationId xmlns:p14="http://schemas.microsoft.com/office/powerpoint/2010/main" val="166467349"/>
       </p:ext>
     </p:extLst>
   </p:cSld>
@@ -953,7 +953,7 @@
           <p:cNvPr id="2" name="标题 1">
             <a:extLst>
               <a:ext uri="{FF2B5EF4-FFF2-40B4-BE49-F238E27FC236}">
-                <a16:creationId xmlns:a16="http://schemas.microsoft.com/office/drawing/2014/main" id="{36B42B1F-CA75-97CC-8501-2FD0BF190219}"/>
+                <a16:creationId xmlns:a16="http://schemas.microsoft.com/office/drawing/2014/main" id="{5C7F4B61-AC63-E002-72AC-10AFAB5BD874}"/>
               </a:ext>
             </a:extLst>
           </p:cNvPr>
@@ -990,7 +990,7 @@
           <p:cNvPr id="3" name="文本占位符 2">
             <a:extLst>
               <a:ext uri="{FF2B5EF4-FFF2-40B4-BE49-F238E27FC236}">
-                <a16:creationId xmlns:a16="http://schemas.microsoft.com/office/drawing/2014/main" id="{5574AB5F-1110-484A-DB99-4B338D922838}"/>
+                <a16:creationId xmlns:a16="http://schemas.microsoft.com/office/drawing/2014/main" id="{EB4EAA58-0EC3-C605-719B-92EF8991E296}"/>
               </a:ext>
             </a:extLst>
           </p:cNvPr>
@@ -1115,7 +1115,7 @@
           <p:cNvPr id="4" name="日期占位符 3">
             <a:extLst>
               <a:ext uri="{FF2B5EF4-FFF2-40B4-BE49-F238E27FC236}">
-                <a16:creationId xmlns:a16="http://schemas.microsoft.com/office/drawing/2014/main" id="{E941F081-3649-A020-88D4-E2908BB76AF2}"/>
+                <a16:creationId xmlns:a16="http://schemas.microsoft.com/office/drawing/2014/main" id="{405D244F-5C2F-C758-CA21-1EEA2CF9688A}"/>
               </a:ext>
             </a:extLst>
           </p:cNvPr>
@@ -1131,7 +1131,7 @@
           <a:bodyPr/>
           <a:lstStyle/>
           <a:p>
-            <a:fld id="{30C389B1-61EC-4530-89BF-D92D41071DAC}" type="datetimeFigureOut">
+            <a:fld id="{36FF05B0-B938-40E9-B6DB-E77049D08148}" type="datetimeFigureOut">
               <a:rPr lang="zh-CN" altLang="en-US" smtClean="0"/>
               <a:t>2024/3/10</a:t>
             </a:fld>
@@ -1144,7 +1144,7 @@
           <p:cNvPr id="5" name="页脚占位符 4">
             <a:extLst>
               <a:ext uri="{FF2B5EF4-FFF2-40B4-BE49-F238E27FC236}">
-                <a16:creationId xmlns:a16="http://schemas.microsoft.com/office/drawing/2014/main" id="{E12184A4-E20D-E314-DE2F-950E10C96AB7}"/>
+                <a16:creationId xmlns:a16="http://schemas.microsoft.com/office/drawing/2014/main" id="{8BEB8CE5-BC3F-2594-2042-B7755FC80EB8}"/>
               </a:ext>
             </a:extLst>
           </p:cNvPr>
@@ -1169,7 +1169,7 @@
           <p:cNvPr id="6" name="灯片编号占位符 5">
             <a:extLst>
               <a:ext uri="{FF2B5EF4-FFF2-40B4-BE49-F238E27FC236}">
-                <a16:creationId xmlns:a16="http://schemas.microsoft.com/office/drawing/2014/main" id="{8E36AA46-B93B-E64B-A3C6-7C1225B798D3}"/>
+                <a16:creationId xmlns:a16="http://schemas.microsoft.com/office/drawing/2014/main" id="{09105EC5-E7C3-8768-5F60-4D4AD1C5A705}"/>
               </a:ext>
             </a:extLst>
           </p:cNvPr>
@@ -1185,7 +1185,7 @@
           <a:bodyPr/>
           <a:lstStyle/>
           <a:p>
-            <a:fld id="{10F2668E-504D-4A2C-A1C9-4BB03044971A}" type="slidenum">
+            <a:fld id="{13884E9F-0FDA-4F69-A7D3-6E64E908FC9E}" type="slidenum">
               <a:rPr lang="zh-CN" altLang="en-US" smtClean="0"/>
               <a:t>‹#›</a:t>
             </a:fld>
@@ -1196,7 +1196,7 @@
     </p:spTree>
     <p:extLst>
       <p:ext uri="{BB962C8B-B14F-4D97-AF65-F5344CB8AC3E}">
-        <p14:creationId xmlns:p14="http://schemas.microsoft.com/office/powerpoint/2010/main" val="1250037969"/>
+        <p14:creationId xmlns:p14="http://schemas.microsoft.com/office/powerpoint/2010/main" val="1363725957"/>
       </p:ext>
     </p:extLst>
   </p:cSld>
@@ -1228,7 +1228,7 @@
           <p:cNvPr id="2" name="标题 1">
             <a:extLst>
               <a:ext uri="{FF2B5EF4-FFF2-40B4-BE49-F238E27FC236}">
-                <a16:creationId xmlns:a16="http://schemas.microsoft.com/office/drawing/2014/main" id="{5F2A22EF-34EC-ED54-83B2-3BB8CFFC9D0C}"/>
+                <a16:creationId xmlns:a16="http://schemas.microsoft.com/office/drawing/2014/main" id="{25C1706E-B549-3366-ABED-8005664E0D7B}"/>
               </a:ext>
             </a:extLst>
           </p:cNvPr>
@@ -1256,7 +1256,7 @@
           <p:cNvPr id="3" name="内容占位符 2">
             <a:extLst>
               <a:ext uri="{FF2B5EF4-FFF2-40B4-BE49-F238E27FC236}">
-                <a16:creationId xmlns:a16="http://schemas.microsoft.com/office/drawing/2014/main" id="{478DC03D-FB07-48A0-FE9C-C1700B18BE49}"/>
+                <a16:creationId xmlns:a16="http://schemas.microsoft.com/office/drawing/2014/main" id="{472C3E87-C78C-EB1E-AEB3-942BCA314AB2}"/>
               </a:ext>
             </a:extLst>
           </p:cNvPr>
@@ -1318,7 +1318,7 @@
           <p:cNvPr id="4" name="内容占位符 3">
             <a:extLst>
               <a:ext uri="{FF2B5EF4-FFF2-40B4-BE49-F238E27FC236}">
-                <a16:creationId xmlns:a16="http://schemas.microsoft.com/office/drawing/2014/main" id="{1D8AA005-ECC4-EE63-4DF4-4247920E49C2}"/>
+                <a16:creationId xmlns:a16="http://schemas.microsoft.com/office/drawing/2014/main" id="{7A4D99EB-6A97-E5AC-AE80-C0A4507A7E49}"/>
               </a:ext>
             </a:extLst>
           </p:cNvPr>
@@ -1380,7 +1380,7 @@
           <p:cNvPr id="5" name="日期占位符 4">
             <a:extLst>
               <a:ext uri="{FF2B5EF4-FFF2-40B4-BE49-F238E27FC236}">
-                <a16:creationId xmlns:a16="http://schemas.microsoft.com/office/drawing/2014/main" id="{8668FDF7-502C-B17D-559F-981529B910A9}"/>
+                <a16:creationId xmlns:a16="http://schemas.microsoft.com/office/drawing/2014/main" id="{9D239195-F71B-FD06-56BB-2C3767E30F13}"/>
               </a:ext>
             </a:extLst>
           </p:cNvPr>
@@ -1396,7 +1396,7 @@
           <a:bodyPr/>
           <a:lstStyle/>
           <a:p>
-            <a:fld id="{30C389B1-61EC-4530-89BF-D92D41071DAC}" type="datetimeFigureOut">
+            <a:fld id="{36FF05B0-B938-40E9-B6DB-E77049D08148}" type="datetimeFigureOut">
               <a:rPr lang="zh-CN" altLang="en-US" smtClean="0"/>
               <a:t>2024/3/10</a:t>
             </a:fld>
@@ -1409,7 +1409,7 @@
           <p:cNvPr id="6" name="页脚占位符 5">
             <a:extLst>
               <a:ext uri="{FF2B5EF4-FFF2-40B4-BE49-F238E27FC236}">
-                <a16:creationId xmlns:a16="http://schemas.microsoft.com/office/drawing/2014/main" id="{F7DDFC74-BBE0-D1A8-1B8D-57C4A9493902}"/>
+                <a16:creationId xmlns:a16="http://schemas.microsoft.com/office/drawing/2014/main" id="{53322DF6-3D89-2922-0BEB-94A8DA645FAA}"/>
               </a:ext>
             </a:extLst>
           </p:cNvPr>
@@ -1434,7 +1434,7 @@
           <p:cNvPr id="7" name="灯片编号占位符 6">
             <a:extLst>
               <a:ext uri="{FF2B5EF4-FFF2-40B4-BE49-F238E27FC236}">
-                <a16:creationId xmlns:a16="http://schemas.microsoft.com/office/drawing/2014/main" id="{FB44A70A-4575-8152-EBAA-A65B05BEDC6B}"/>
+                <a16:creationId xmlns:a16="http://schemas.microsoft.com/office/drawing/2014/main" id="{4F4D7C0A-4D85-360D-2E62-1550A02739A5}"/>
               </a:ext>
             </a:extLst>
           </p:cNvPr>
@@ -1450,7 +1450,7 @@
           <a:bodyPr/>
           <a:lstStyle/>
           <a:p>
-            <a:fld id="{10F2668E-504D-4A2C-A1C9-4BB03044971A}" type="slidenum">
+            <a:fld id="{13884E9F-0FDA-4F69-A7D3-6E64E908FC9E}" type="slidenum">
               <a:rPr lang="zh-CN" altLang="en-US" smtClean="0"/>
               <a:t>‹#›</a:t>
             </a:fld>
@@ -1461,7 +1461,7 @@
     </p:spTree>
     <p:extLst>
       <p:ext uri="{BB962C8B-B14F-4D97-AF65-F5344CB8AC3E}">
-        <p14:creationId xmlns:p14="http://schemas.microsoft.com/office/powerpoint/2010/main" val="4144497064"/>
+        <p14:creationId xmlns:p14="http://schemas.microsoft.com/office/powerpoint/2010/main" val="3483389253"/>
       </p:ext>
     </p:extLst>
   </p:cSld>
@@ -1493,7 +1493,7 @@
           <p:cNvPr id="2" name="标题 1">
             <a:extLst>
               <a:ext uri="{FF2B5EF4-FFF2-40B4-BE49-F238E27FC236}">
-                <a16:creationId xmlns:a16="http://schemas.microsoft.com/office/drawing/2014/main" id="{51BD1DB6-3DB5-089A-57D2-A2D385A8A6EF}"/>
+                <a16:creationId xmlns:a16="http://schemas.microsoft.com/office/drawing/2014/main" id="{37FFE843-875C-C5B3-036E-35D3108B20F5}"/>
               </a:ext>
             </a:extLst>
           </p:cNvPr>
@@ -1526,7 +1526,7 @@
           <p:cNvPr id="3" name="文本占位符 2">
             <a:extLst>
               <a:ext uri="{FF2B5EF4-FFF2-40B4-BE49-F238E27FC236}">
-                <a16:creationId xmlns:a16="http://schemas.microsoft.com/office/drawing/2014/main" id="{F0B335F6-3772-133B-AFFC-2024CF675720}"/>
+                <a16:creationId xmlns:a16="http://schemas.microsoft.com/office/drawing/2014/main" id="{5436B3F4-465A-EB64-C622-EB15F7E75186}"/>
               </a:ext>
             </a:extLst>
           </p:cNvPr>
@@ -1597,7 +1597,7 @@
           <p:cNvPr id="4" name="内容占位符 3">
             <a:extLst>
               <a:ext uri="{FF2B5EF4-FFF2-40B4-BE49-F238E27FC236}">
-                <a16:creationId xmlns:a16="http://schemas.microsoft.com/office/drawing/2014/main" id="{65D2737C-6E0B-89A5-1BC5-90FC2A5492AA}"/>
+                <a16:creationId xmlns:a16="http://schemas.microsoft.com/office/drawing/2014/main" id="{F770A665-54E2-C6AB-1F03-347F7EE1084A}"/>
               </a:ext>
             </a:extLst>
           </p:cNvPr>
@@ -1659,7 +1659,7 @@
           <p:cNvPr id="5" name="文本占位符 4">
             <a:extLst>
               <a:ext uri="{FF2B5EF4-FFF2-40B4-BE49-F238E27FC236}">
-                <a16:creationId xmlns:a16="http://schemas.microsoft.com/office/drawing/2014/main" id="{28370C08-0B05-A7F3-FEF8-5AA112203F2C}"/>
+                <a16:creationId xmlns:a16="http://schemas.microsoft.com/office/drawing/2014/main" id="{3CA09CAB-116D-43FF-BB3D-2F8C0ACE5694}"/>
               </a:ext>
             </a:extLst>
           </p:cNvPr>
@@ -1730,7 +1730,7 @@
           <p:cNvPr id="6" name="内容占位符 5">
             <a:extLst>
               <a:ext uri="{FF2B5EF4-FFF2-40B4-BE49-F238E27FC236}">
-                <a16:creationId xmlns:a16="http://schemas.microsoft.com/office/drawing/2014/main" id="{55505E1A-4D26-4DD0-E253-D78394AB2A98}"/>
+                <a16:creationId xmlns:a16="http://schemas.microsoft.com/office/drawing/2014/main" id="{1C54653F-4E5C-D622-A432-DBE3D3941C00}"/>
               </a:ext>
             </a:extLst>
           </p:cNvPr>
@@ -1792,7 +1792,7 @@
           <p:cNvPr id="7" name="日期占位符 6">
             <a:extLst>
               <a:ext uri="{FF2B5EF4-FFF2-40B4-BE49-F238E27FC236}">
-                <a16:creationId xmlns:a16="http://schemas.microsoft.com/office/drawing/2014/main" id="{5AA6FD9E-1811-40C6-EE19-2F6EFD70775C}"/>
+                <a16:creationId xmlns:a16="http://schemas.microsoft.com/office/drawing/2014/main" id="{FB0860CE-BF42-0334-6700-6C21D4F7859B}"/>
               </a:ext>
             </a:extLst>
           </p:cNvPr>
@@ -1808,7 +1808,7 @@
           <a:bodyPr/>
           <a:lstStyle/>
           <a:p>
-            <a:fld id="{30C389B1-61EC-4530-89BF-D92D41071DAC}" type="datetimeFigureOut">
+            <a:fld id="{36FF05B0-B938-40E9-B6DB-E77049D08148}" type="datetimeFigureOut">
               <a:rPr lang="zh-CN" altLang="en-US" smtClean="0"/>
               <a:t>2024/3/10</a:t>
             </a:fld>
@@ -1821,7 +1821,7 @@
           <p:cNvPr id="8" name="页脚占位符 7">
             <a:extLst>
               <a:ext uri="{FF2B5EF4-FFF2-40B4-BE49-F238E27FC236}">
-                <a16:creationId xmlns:a16="http://schemas.microsoft.com/office/drawing/2014/main" id="{32D00EBC-E329-CA85-19AF-51A080FB9799}"/>
+                <a16:creationId xmlns:a16="http://schemas.microsoft.com/office/drawing/2014/main" id="{3BE3F53B-A5E5-A2A8-5602-4368965F8C28}"/>
               </a:ext>
             </a:extLst>
           </p:cNvPr>
@@ -1846,7 +1846,7 @@
           <p:cNvPr id="9" name="灯片编号占位符 8">
             <a:extLst>
               <a:ext uri="{FF2B5EF4-FFF2-40B4-BE49-F238E27FC236}">
-                <a16:creationId xmlns:a16="http://schemas.microsoft.com/office/drawing/2014/main" id="{4836EB60-4331-E203-E314-4B9FA530ABAB}"/>
+                <a16:creationId xmlns:a16="http://schemas.microsoft.com/office/drawing/2014/main" id="{8126D00D-74DD-87E6-8169-26D3C2E97CA2}"/>
               </a:ext>
             </a:extLst>
           </p:cNvPr>
@@ -1862,7 +1862,7 @@
           <a:bodyPr/>
           <a:lstStyle/>
           <a:p>
-            <a:fld id="{10F2668E-504D-4A2C-A1C9-4BB03044971A}" type="slidenum">
+            <a:fld id="{13884E9F-0FDA-4F69-A7D3-6E64E908FC9E}" type="slidenum">
               <a:rPr lang="zh-CN" altLang="en-US" smtClean="0"/>
               <a:t>‹#›</a:t>
             </a:fld>
@@ -1873,7 +1873,7 @@
     </p:spTree>
     <p:extLst>
       <p:ext uri="{BB962C8B-B14F-4D97-AF65-F5344CB8AC3E}">
-        <p14:creationId xmlns:p14="http://schemas.microsoft.com/office/powerpoint/2010/main" val="1447470253"/>
+        <p14:creationId xmlns:p14="http://schemas.microsoft.com/office/powerpoint/2010/main" val="842034415"/>
       </p:ext>
     </p:extLst>
   </p:cSld>
@@ -1905,7 +1905,7 @@
           <p:cNvPr id="2" name="标题 1">
             <a:extLst>
               <a:ext uri="{FF2B5EF4-FFF2-40B4-BE49-F238E27FC236}">
-                <a16:creationId xmlns:a16="http://schemas.microsoft.com/office/drawing/2014/main" id="{D9B62F5A-9B9A-8759-2257-42DCA04D10A0}"/>
+                <a16:creationId xmlns:a16="http://schemas.microsoft.com/office/drawing/2014/main" id="{747746F5-E6D7-9EEC-AD24-F489CC606C1B}"/>
               </a:ext>
             </a:extLst>
           </p:cNvPr>
@@ -1933,7 +1933,7 @@
           <p:cNvPr id="3" name="日期占位符 2">
             <a:extLst>
               <a:ext uri="{FF2B5EF4-FFF2-40B4-BE49-F238E27FC236}">
-                <a16:creationId xmlns:a16="http://schemas.microsoft.com/office/drawing/2014/main" id="{FBA71D93-1CCD-B12C-8D78-E7E61F4D4D1F}"/>
+                <a16:creationId xmlns:a16="http://schemas.microsoft.com/office/drawing/2014/main" id="{5E3BC489-4487-12C3-B8A6-7D2C94588B51}"/>
               </a:ext>
             </a:extLst>
           </p:cNvPr>
@@ -1949,7 +1949,7 @@
           <a:bodyPr/>
           <a:lstStyle/>
           <a:p>
-            <a:fld id="{30C389B1-61EC-4530-89BF-D92D41071DAC}" type="datetimeFigureOut">
+            <a:fld id="{36FF05B0-B938-40E9-B6DB-E77049D08148}" type="datetimeFigureOut">
               <a:rPr lang="zh-CN" altLang="en-US" smtClean="0"/>
               <a:t>2024/3/10</a:t>
             </a:fld>
@@ -1962,7 +1962,7 @@
           <p:cNvPr id="4" name="页脚占位符 3">
             <a:extLst>
               <a:ext uri="{FF2B5EF4-FFF2-40B4-BE49-F238E27FC236}">
-                <a16:creationId xmlns:a16="http://schemas.microsoft.com/office/drawing/2014/main" id="{49C00F9E-78E2-A920-792C-AF3904E73117}"/>
+                <a16:creationId xmlns:a16="http://schemas.microsoft.com/office/drawing/2014/main" id="{E7C653D5-2EB1-AC72-0D68-2EFCA070424A}"/>
               </a:ext>
             </a:extLst>
           </p:cNvPr>
@@ -1987,7 +1987,7 @@
           <p:cNvPr id="5" name="灯片编号占位符 4">
             <a:extLst>
               <a:ext uri="{FF2B5EF4-FFF2-40B4-BE49-F238E27FC236}">
-                <a16:creationId xmlns:a16="http://schemas.microsoft.com/office/drawing/2014/main" id="{3B2C78D5-9980-0443-25EB-23F6ED4EE552}"/>
+                <a16:creationId xmlns:a16="http://schemas.microsoft.com/office/drawing/2014/main" id="{1A34B211-3E56-D009-E026-CA5B182FBF81}"/>
               </a:ext>
             </a:extLst>
           </p:cNvPr>
@@ -2003,7 +2003,7 @@
           <a:bodyPr/>
           <a:lstStyle/>
           <a:p>
-            <a:fld id="{10F2668E-504D-4A2C-A1C9-4BB03044971A}" type="slidenum">
+            <a:fld id="{13884E9F-0FDA-4F69-A7D3-6E64E908FC9E}" type="slidenum">
               <a:rPr lang="zh-CN" altLang="en-US" smtClean="0"/>
               <a:t>‹#›</a:t>
             </a:fld>
@@ -2014,7 +2014,7 @@
     </p:spTree>
     <p:extLst>
       <p:ext uri="{BB962C8B-B14F-4D97-AF65-F5344CB8AC3E}">
-        <p14:creationId xmlns:p14="http://schemas.microsoft.com/office/powerpoint/2010/main" val="1053524496"/>
+        <p14:creationId xmlns:p14="http://schemas.microsoft.com/office/powerpoint/2010/main" val="1414847915"/>
       </p:ext>
     </p:extLst>
   </p:cSld>
@@ -2046,7 +2046,7 @@
           <p:cNvPr id="2" name="日期占位符 1">
             <a:extLst>
               <a:ext uri="{FF2B5EF4-FFF2-40B4-BE49-F238E27FC236}">
-                <a16:creationId xmlns:a16="http://schemas.microsoft.com/office/drawing/2014/main" id="{939EE9D7-3B71-AE15-19ED-9D6218B46AC8}"/>
+                <a16:creationId xmlns:a16="http://schemas.microsoft.com/office/drawing/2014/main" id="{4BC11327-6589-2E53-395B-9F57D4CC53AC}"/>
               </a:ext>
             </a:extLst>
           </p:cNvPr>
@@ -2062,7 +2062,7 @@
           <a:bodyPr/>
           <a:lstStyle/>
           <a:p>
-            <a:fld id="{30C389B1-61EC-4530-89BF-D92D41071DAC}" type="datetimeFigureOut">
+            <a:fld id="{36FF05B0-B938-40E9-B6DB-E77049D08148}" type="datetimeFigureOut">
               <a:rPr lang="zh-CN" altLang="en-US" smtClean="0"/>
               <a:t>2024/3/10</a:t>
             </a:fld>
@@ -2075,7 +2075,7 @@
           <p:cNvPr id="3" name="页脚占位符 2">
             <a:extLst>
               <a:ext uri="{FF2B5EF4-FFF2-40B4-BE49-F238E27FC236}">
-                <a16:creationId xmlns:a16="http://schemas.microsoft.com/office/drawing/2014/main" id="{1BBC39E8-E5A1-7CE9-9767-5829BB2FC9C6}"/>
+                <a16:creationId xmlns:a16="http://schemas.microsoft.com/office/drawing/2014/main" id="{338D4B4A-7BA9-47F0-8D5F-804176CA12B5}"/>
               </a:ext>
             </a:extLst>
           </p:cNvPr>
@@ -2100,7 +2100,7 @@
           <p:cNvPr id="4" name="灯片编号占位符 3">
             <a:extLst>
               <a:ext uri="{FF2B5EF4-FFF2-40B4-BE49-F238E27FC236}">
-                <a16:creationId xmlns:a16="http://schemas.microsoft.com/office/drawing/2014/main" id="{3CC21DC7-618F-CA85-3F78-2541CDE370B1}"/>
+                <a16:creationId xmlns:a16="http://schemas.microsoft.com/office/drawing/2014/main" id="{60165DBC-8534-69A6-E0AB-166528E41A45}"/>
               </a:ext>
             </a:extLst>
           </p:cNvPr>
@@ -2116,7 +2116,7 @@
           <a:bodyPr/>
           <a:lstStyle/>
           <a:p>
-            <a:fld id="{10F2668E-504D-4A2C-A1C9-4BB03044971A}" type="slidenum">
+            <a:fld id="{13884E9F-0FDA-4F69-A7D3-6E64E908FC9E}" type="slidenum">
               <a:rPr lang="zh-CN" altLang="en-US" smtClean="0"/>
               <a:t>‹#›</a:t>
             </a:fld>
@@ -2127,7 +2127,7 @@
     </p:spTree>
     <p:extLst>
       <p:ext uri="{BB962C8B-B14F-4D97-AF65-F5344CB8AC3E}">
-        <p14:creationId xmlns:p14="http://schemas.microsoft.com/office/powerpoint/2010/main" val="2746782797"/>
+        <p14:creationId xmlns:p14="http://schemas.microsoft.com/office/powerpoint/2010/main" val="3382030245"/>
       </p:ext>
     </p:extLst>
   </p:cSld>
@@ -2159,7 +2159,7 @@
           <p:cNvPr id="2" name="标题 1">
             <a:extLst>
               <a:ext uri="{FF2B5EF4-FFF2-40B4-BE49-F238E27FC236}">
-                <a16:creationId xmlns:a16="http://schemas.microsoft.com/office/drawing/2014/main" id="{8D0AA670-1ECA-7086-58D1-841C1D6FBAEB}"/>
+                <a16:creationId xmlns:a16="http://schemas.microsoft.com/office/drawing/2014/main" id="{93EA125C-9D34-8B74-7D64-0CC887E50407}"/>
               </a:ext>
             </a:extLst>
           </p:cNvPr>
@@ -2196,7 +2196,7 @@
           <p:cNvPr id="3" name="内容占位符 2">
             <a:extLst>
               <a:ext uri="{FF2B5EF4-FFF2-40B4-BE49-F238E27FC236}">
-                <a16:creationId xmlns:a16="http://schemas.microsoft.com/office/drawing/2014/main" id="{61CA8917-1AEF-306F-43D6-28843822C848}"/>
+                <a16:creationId xmlns:a16="http://schemas.microsoft.com/office/drawing/2014/main" id="{57A4030A-216E-3E3A-9CB4-86557B423271}"/>
               </a:ext>
             </a:extLst>
           </p:cNvPr>
@@ -2286,7 +2286,7 @@
           <p:cNvPr id="4" name="文本占位符 3">
             <a:extLst>
               <a:ext uri="{FF2B5EF4-FFF2-40B4-BE49-F238E27FC236}">
-                <a16:creationId xmlns:a16="http://schemas.microsoft.com/office/drawing/2014/main" id="{022438B5-1441-E8A1-4273-8993BB336436}"/>
+                <a16:creationId xmlns:a16="http://schemas.microsoft.com/office/drawing/2014/main" id="{62BCC9EE-7B91-D923-866A-81628C0B27A8}"/>
               </a:ext>
             </a:extLst>
           </p:cNvPr>
@@ -2357,7 +2357,7 @@
           <p:cNvPr id="5" name="日期占位符 4">
             <a:extLst>
               <a:ext uri="{FF2B5EF4-FFF2-40B4-BE49-F238E27FC236}">
-                <a16:creationId xmlns:a16="http://schemas.microsoft.com/office/drawing/2014/main" id="{618F28D6-D4EB-4B50-5811-2E8B35EC170B}"/>
+                <a16:creationId xmlns:a16="http://schemas.microsoft.com/office/drawing/2014/main" id="{E975BE57-C634-ADFA-C30E-6B02699F36E0}"/>
               </a:ext>
             </a:extLst>
           </p:cNvPr>
@@ -2373,7 +2373,7 @@
           <a:bodyPr/>
           <a:lstStyle/>
           <a:p>
-            <a:fld id="{30C389B1-61EC-4530-89BF-D92D41071DAC}" type="datetimeFigureOut">
+            <a:fld id="{36FF05B0-B938-40E9-B6DB-E77049D08148}" type="datetimeFigureOut">
               <a:rPr lang="zh-CN" altLang="en-US" smtClean="0"/>
               <a:t>2024/3/10</a:t>
             </a:fld>
@@ -2386,7 +2386,7 @@
           <p:cNvPr id="6" name="页脚占位符 5">
             <a:extLst>
               <a:ext uri="{FF2B5EF4-FFF2-40B4-BE49-F238E27FC236}">
-                <a16:creationId xmlns:a16="http://schemas.microsoft.com/office/drawing/2014/main" id="{B95F7923-24A8-1A80-553B-69640E1624FB}"/>
+                <a16:creationId xmlns:a16="http://schemas.microsoft.com/office/drawing/2014/main" id="{CDE24DA8-68DB-6F64-7AEF-C34A70343547}"/>
               </a:ext>
             </a:extLst>
           </p:cNvPr>
@@ -2411,7 +2411,7 @@
           <p:cNvPr id="7" name="灯片编号占位符 6">
             <a:extLst>
               <a:ext uri="{FF2B5EF4-FFF2-40B4-BE49-F238E27FC236}">
-                <a16:creationId xmlns:a16="http://schemas.microsoft.com/office/drawing/2014/main" id="{DE3FD38A-9E7E-6335-419F-8EC1A60C1384}"/>
+                <a16:creationId xmlns:a16="http://schemas.microsoft.com/office/drawing/2014/main" id="{49A9056D-D457-7FC8-0763-23E8D74D7432}"/>
               </a:ext>
             </a:extLst>
           </p:cNvPr>
@@ -2427,7 +2427,7 @@
           <a:bodyPr/>
           <a:lstStyle/>
           <a:p>
-            <a:fld id="{10F2668E-504D-4A2C-A1C9-4BB03044971A}" type="slidenum">
+            <a:fld id="{13884E9F-0FDA-4F69-A7D3-6E64E908FC9E}" type="slidenum">
               <a:rPr lang="zh-CN" altLang="en-US" smtClean="0"/>
               <a:t>‹#›</a:t>
             </a:fld>
@@ -2438,7 +2438,7 @@
     </p:spTree>
     <p:extLst>
       <p:ext uri="{BB962C8B-B14F-4D97-AF65-F5344CB8AC3E}">
-        <p14:creationId xmlns:p14="http://schemas.microsoft.com/office/powerpoint/2010/main" val="1302043865"/>
+        <p14:creationId xmlns:p14="http://schemas.microsoft.com/office/powerpoint/2010/main" val="394975907"/>
       </p:ext>
     </p:extLst>
   </p:cSld>
@@ -2470,7 +2470,7 @@
           <p:cNvPr id="2" name="标题 1">
             <a:extLst>
               <a:ext uri="{FF2B5EF4-FFF2-40B4-BE49-F238E27FC236}">
-                <a16:creationId xmlns:a16="http://schemas.microsoft.com/office/drawing/2014/main" id="{5EA8A563-6ED4-6DE1-1B38-374217406F06}"/>
+                <a16:creationId xmlns:a16="http://schemas.microsoft.com/office/drawing/2014/main" id="{FCDA0240-8797-2C81-B72A-43D09E13E9D5}"/>
               </a:ext>
             </a:extLst>
           </p:cNvPr>
@@ -2507,7 +2507,7 @@
           <p:cNvPr id="3" name="图片占位符 2">
             <a:extLst>
               <a:ext uri="{FF2B5EF4-FFF2-40B4-BE49-F238E27FC236}">
-                <a16:creationId xmlns:a16="http://schemas.microsoft.com/office/drawing/2014/main" id="{F4969FFF-4F85-9241-1E66-5DE34561F3E9}"/>
+                <a16:creationId xmlns:a16="http://schemas.microsoft.com/office/drawing/2014/main" id="{7B489525-50F9-4776-961A-0AB4A01D9DA9}"/>
               </a:ext>
             </a:extLst>
           </p:cNvPr>
@@ -2574,7 +2574,7 @@
           <p:cNvPr id="4" name="文本占位符 3">
             <a:extLst>
               <a:ext uri="{FF2B5EF4-FFF2-40B4-BE49-F238E27FC236}">
-                <a16:creationId xmlns:a16="http://schemas.microsoft.com/office/drawing/2014/main" id="{40414EBA-E233-01E6-31C3-66D74296A73B}"/>
+                <a16:creationId xmlns:a16="http://schemas.microsoft.com/office/drawing/2014/main" id="{36D25FA7-60FB-0391-43BD-182E87EC3DE5}"/>
               </a:ext>
             </a:extLst>
           </p:cNvPr>
@@ -2645,7 +2645,7 @@
           <p:cNvPr id="5" name="日期占位符 4">
             <a:extLst>
               <a:ext uri="{FF2B5EF4-FFF2-40B4-BE49-F238E27FC236}">
-                <a16:creationId xmlns:a16="http://schemas.microsoft.com/office/drawing/2014/main" id="{97234F0C-1A07-30F9-A1B6-3C4B6A3D9194}"/>
+                <a16:creationId xmlns:a16="http://schemas.microsoft.com/office/drawing/2014/main" id="{705714E6-FB9D-F10A-4539-75978A0BF663}"/>
               </a:ext>
             </a:extLst>
           </p:cNvPr>
@@ -2661,7 +2661,7 @@
           <a:bodyPr/>
           <a:lstStyle/>
           <a:p>
-            <a:fld id="{30C389B1-61EC-4530-89BF-D92D41071DAC}" type="datetimeFigureOut">
+            <a:fld id="{36FF05B0-B938-40E9-B6DB-E77049D08148}" type="datetimeFigureOut">
               <a:rPr lang="zh-CN" altLang="en-US" smtClean="0"/>
               <a:t>2024/3/10</a:t>
             </a:fld>
@@ -2674,7 +2674,7 @@
           <p:cNvPr id="6" name="页脚占位符 5">
             <a:extLst>
               <a:ext uri="{FF2B5EF4-FFF2-40B4-BE49-F238E27FC236}">
-                <a16:creationId xmlns:a16="http://schemas.microsoft.com/office/drawing/2014/main" id="{55D56F18-AB25-F307-A097-276FAE331BCF}"/>
+                <a16:creationId xmlns:a16="http://schemas.microsoft.com/office/drawing/2014/main" id="{91E0FF4F-F3B7-7300-79D8-DE805B056E86}"/>
               </a:ext>
             </a:extLst>
           </p:cNvPr>
@@ -2699,7 +2699,7 @@
           <p:cNvPr id="7" name="灯片编号占位符 6">
             <a:extLst>
               <a:ext uri="{FF2B5EF4-FFF2-40B4-BE49-F238E27FC236}">
-                <a16:creationId xmlns:a16="http://schemas.microsoft.com/office/drawing/2014/main" id="{F855B0CD-44D4-B054-464D-C45767439A87}"/>
+                <a16:creationId xmlns:a16="http://schemas.microsoft.com/office/drawing/2014/main" id="{4169A589-676C-35E5-5A7B-72FA3322DCEB}"/>
               </a:ext>
             </a:extLst>
           </p:cNvPr>
@@ -2715,7 +2715,7 @@
           <a:bodyPr/>
           <a:lstStyle/>
           <a:p>
-            <a:fld id="{10F2668E-504D-4A2C-A1C9-4BB03044971A}" type="slidenum">
+            <a:fld id="{13884E9F-0FDA-4F69-A7D3-6E64E908FC9E}" type="slidenum">
               <a:rPr lang="zh-CN" altLang="en-US" smtClean="0"/>
               <a:t>‹#›</a:t>
             </a:fld>
@@ -2726,7 +2726,7 @@
     </p:spTree>
     <p:extLst>
       <p:ext uri="{BB962C8B-B14F-4D97-AF65-F5344CB8AC3E}">
-        <p14:creationId xmlns:p14="http://schemas.microsoft.com/office/powerpoint/2010/main" val="3176248222"/>
+        <p14:creationId xmlns:p14="http://schemas.microsoft.com/office/powerpoint/2010/main" val="2296913448"/>
       </p:ext>
     </p:extLst>
   </p:cSld>
@@ -2763,7 +2763,7 @@
           <p:cNvPr id="2" name="标题占位符 1">
             <a:extLst>
               <a:ext uri="{FF2B5EF4-FFF2-40B4-BE49-F238E27FC236}">
-                <a16:creationId xmlns:a16="http://schemas.microsoft.com/office/drawing/2014/main" id="{96B4AD87-173B-7A7B-06DC-0ABBA64ED1F9}"/>
+                <a16:creationId xmlns:a16="http://schemas.microsoft.com/office/drawing/2014/main" id="{738CA882-A043-AF76-9C7F-92F3E9DE651B}"/>
               </a:ext>
             </a:extLst>
           </p:cNvPr>
@@ -2801,7 +2801,7 @@
           <p:cNvPr id="3" name="文本占位符 2">
             <a:extLst>
               <a:ext uri="{FF2B5EF4-FFF2-40B4-BE49-F238E27FC236}">
-                <a16:creationId xmlns:a16="http://schemas.microsoft.com/office/drawing/2014/main" id="{7288BE6C-AA99-7E74-B8FA-E2E13B184BA2}"/>
+                <a16:creationId xmlns:a16="http://schemas.microsoft.com/office/drawing/2014/main" id="{ABC20928-D778-8930-EFF3-DA9474D2514E}"/>
               </a:ext>
             </a:extLst>
           </p:cNvPr>
@@ -2868,7 +2868,7 @@
           <p:cNvPr id="4" name="日期占位符 3">
             <a:extLst>
               <a:ext uri="{FF2B5EF4-FFF2-40B4-BE49-F238E27FC236}">
-                <a16:creationId xmlns:a16="http://schemas.microsoft.com/office/drawing/2014/main" id="{7B72F2B0-5FA2-6E99-D8AD-8DD110C2A1E2}"/>
+                <a16:creationId xmlns:a16="http://schemas.microsoft.com/office/drawing/2014/main" id="{5AF3EEF2-F94B-70F2-1506-54AFAB79ACBF}"/>
               </a:ext>
             </a:extLst>
           </p:cNvPr>
@@ -2902,7 +2902,7 @@
             </a:lvl1pPr>
           </a:lstStyle>
           <a:p>
-            <a:fld id="{30C389B1-61EC-4530-89BF-D92D41071DAC}" type="datetimeFigureOut">
+            <a:fld id="{36FF05B0-B938-40E9-B6DB-E77049D08148}" type="datetimeFigureOut">
               <a:rPr lang="zh-CN" altLang="en-US" smtClean="0"/>
               <a:t>2024/3/10</a:t>
             </a:fld>
@@ -2915,7 +2915,7 @@
           <p:cNvPr id="5" name="页脚占位符 4">
             <a:extLst>
               <a:ext uri="{FF2B5EF4-FFF2-40B4-BE49-F238E27FC236}">
-                <a16:creationId xmlns:a16="http://schemas.microsoft.com/office/drawing/2014/main" id="{065730DF-D3F3-A5BB-69F6-2409E7B6414F}"/>
+                <a16:creationId xmlns:a16="http://schemas.microsoft.com/office/drawing/2014/main" id="{18F1E30B-5150-0799-6246-C436993F9F84}"/>
               </a:ext>
             </a:extLst>
           </p:cNvPr>
@@ -2958,7 +2958,7 @@
           <p:cNvPr id="6" name="灯片编号占位符 5">
             <a:extLst>
               <a:ext uri="{FF2B5EF4-FFF2-40B4-BE49-F238E27FC236}">
-                <a16:creationId xmlns:a16="http://schemas.microsoft.com/office/drawing/2014/main" id="{3C12AB83-2845-97E5-EC4C-EEF6367FFC0B}"/>
+                <a16:creationId xmlns:a16="http://schemas.microsoft.com/office/drawing/2014/main" id="{59869EC4-1105-E967-38FE-203CBD643152}"/>
               </a:ext>
             </a:extLst>
           </p:cNvPr>
@@ -2992,7 +2992,7 @@
             </a:lvl1pPr>
           </a:lstStyle>
           <a:p>
-            <a:fld id="{10F2668E-504D-4A2C-A1C9-4BB03044971A}" type="slidenum">
+            <a:fld id="{13884E9F-0FDA-4F69-A7D3-6E64E908FC9E}" type="slidenum">
               <a:rPr lang="zh-CN" altLang="en-US" smtClean="0"/>
               <a:t>‹#›</a:t>
             </a:fld>
@@ -3003,7 +3003,7 @@
     </p:spTree>
     <p:extLst>
       <p:ext uri="{BB962C8B-B14F-4D97-AF65-F5344CB8AC3E}">
-        <p14:creationId xmlns:p14="http://schemas.microsoft.com/office/powerpoint/2010/main" val="2505010751"/>
+        <p14:creationId xmlns:p14="http://schemas.microsoft.com/office/powerpoint/2010/main" val="204779198"/>
       </p:ext>
     </p:extLst>
   </p:cSld>
@@ -3323,7 +3323,7 @@
       </p:grpSpPr>
       <p:pic>
         <p:nvPicPr>
-          <p:cNvPr id="258050" name="Picture 2" descr="251"/>
+          <p:cNvPr id="259074" name="Picture 2" descr="252"/>
           <p:cNvPicPr>
             <a:picLocks noChangeAspect="1" noChangeArrowheads="1"/>
           </p:cNvPicPr>
@@ -3377,7 +3377,7 @@
       </p:pic>
       <p:pic>
         <p:nvPicPr>
-          <p:cNvPr id="259075" name="Picture 3" descr="251-2"/>
+          <p:cNvPr id="260099" name="Picture 3" descr="252-2"/>
           <p:cNvPicPr>
             <a:picLocks noChangeAspect="1" noChangeArrowheads="1"/>
           </p:cNvPicPr>
@@ -3398,7 +3398,7 @@
         </p:blipFill>
         <p:spPr bwMode="auto">
           <a:xfrm>
-            <a:off x="1524000" y="44450"/>
+            <a:off x="1560513" y="0"/>
             <a:ext cx="9144000" cy="6858000"/>
           </a:xfrm>
           <a:prstGeom prst="rect">
@@ -3478,7 +3478,7 @@
                                           </p:stCondLst>
                                         </p:cTn>
                                         <p:tgtEl>
-                                          <p:spTgt spid="259075"/>
+                                          <p:spTgt spid="260099"/>
                                         </p:tgtEl>
                                         <p:attrNameLst>
                                           <p:attrName>style.visibility</p:attrName>
@@ -3492,7 +3492,7 @@
                                       <p:cBhvr>
                                         <p:cTn id="7" dur="500"/>
                                         <p:tgtEl>
-                                          <p:spTgt spid="259075"/>
+                                          <p:spTgt spid="260099"/>
                                         </p:tgtEl>
                                       </p:cBhvr>
                                     </p:animEffect>
